--- a/PID/Дрон.pptx
+++ b/PID/Дрон.pptx
@@ -4010,15 +4010,67 @@
             <p:ph type="ctrTitle"/>
           </p:nvPr>
         </p:nvSpPr>
-        <p:spPr/>
+        <p:spPr>
+          <a:xfrm>
+            <a:off x="7188200" y="945515"/>
+            <a:ext cx="4246880" cy="1082675"/>
+          </a:xfrm>
+        </p:spPr>
         <p:txBody>
           <a:bodyPr>
             <a:normAutofit/>
           </a:bodyPr>
           <a:p>
+            <a:pPr algn="l"/>
             <a:r>
               <a:rPr lang="ru-RU" altLang="ru-RU"/>
-              <a:t>ПИД регуляторы</a:t>
+              <a:t>ПИД</a:t>
+            </a:r>
+            <a:r>
+              <a:rPr lang="en-US" altLang="ru-RU"/>
+              <a:t>-</a:t>
+            </a:r>
+            <a:r>
+              <a:rPr lang="ru-RU" altLang="ru-RU"/>
+              <a:t>регулятор</a:t>
+            </a:r>
+            <a:endParaRPr lang="ru-RU" altLang="ru-RU"/>
+          </a:p>
+        </p:txBody>
+      </p:sp>
+      <p:sp>
+        <p:nvSpPr>
+          <p:cNvPr id="3" name="Текстовое поле 2"/>
+          <p:cNvSpPr txBox="1"/>
+          <p:nvPr/>
+        </p:nvSpPr>
+        <p:spPr>
+          <a:xfrm>
+            <a:off x="7447915" y="2028190"/>
+            <a:ext cx="4064000" cy="368300"/>
+          </a:xfrm>
+          <a:prstGeom prst="rect">
+            <a:avLst/>
+          </a:prstGeom>
+          <a:noFill/>
+        </p:spPr>
+        <p:txBody>
+          <a:bodyPr wrap="square" rtlCol="0">
+            <a:spAutoFit/>
+          </a:bodyPr>
+          <a:p>
+            <a:pPr algn="r"/>
+            <a:r>
+              <a:rPr lang="ru-RU" altLang="ru-RU"/>
+              <a:t>Преподаватель</a:t>
+            </a:r>
+            <a:r>
+              <a:rPr lang="en-US" altLang="ru-RU"/>
+              <a:t>:</a:t>
+            </a:r>
+            <a:r>
+              <a:rPr lang="ru-RU" altLang="ru-RU"/>
+              <a:t> Субботин Всеволод</a:t>
             </a:r>
             <a:endParaRPr lang="ru-RU" altLang="ru-RU"/>
           </a:p>
@@ -8949,7 +9001,7 @@
                               <a:ea typeface="SimSun" panose="02010600030101010101" pitchFamily="2" charset="-122"/>
                               <a:cs typeface="Cambria Math" panose="02040503050406030204" charset="0"/>
                             </a:rPr>
-                            <m:t>𝑆</m:t>
+                            <m:t>𝐻</m:t>
                           </m:r>
                         </m:sub>
                       </m:sSub>
@@ -8999,7 +9051,7 @@
                               <a:ea typeface="SimSun" panose="02010600030101010101" pitchFamily="2" charset="-122"/>
                               <a:cs typeface="Cambria Math" panose="02040503050406030204" charset="0"/>
                             </a:rPr>
-                            <m:t>𝑆</m:t>
+                            <m:t>𝐻</m:t>
                           </m:r>
                         </m:e>
                         <m:sub>
@@ -9066,7 +9118,7 @@
                               <a:ea typeface="SimSun" panose="02010600030101010101" pitchFamily="2" charset="-122"/>
                               <a:cs typeface="Cambria Math" panose="02040503050406030204" charset="0"/>
                             </a:rPr>
-                            <m:t>𝑆</m:t>
+                            <m:t>𝐻</m:t>
                           </m:r>
                         </m:e>
                         <m:sub>
@@ -9129,7 +9181,7 @@
               <a:blipFill rotWithShape="1">
                 <a:blip r:embed="rId15"/>
                 <a:stretch>
-                  <a:fillRect l="-200" t="-384" r="-175" b="-336"/>
+                  <a:fillRect l="-200" t="-384" r="-3123" b="-336"/>
                 </a:stretch>
               </a:blipFill>
               <a:ln w="9525" cap="flat" cmpd="sng" algn="ctr">
@@ -9207,7 +9259,7 @@
             <p:spPr>
               <a:xfrm>
                 <a:off x="5775579" y="5354256"/>
-                <a:ext cx="869950" cy="460375"/>
+                <a:ext cx="899795" cy="460375"/>
               </a:xfrm>
               <a:prstGeom prst="rect">
                 <a:avLst/>
@@ -9241,7 +9293,7 @@
                               <a:latin typeface="Cambria Math" panose="02040503050406030204" charset="0"/>
                               <a:cs typeface="Cambria Math" panose="02040503050406030204" charset="0"/>
                             </a:rPr>
-                            <m:t>𝑆</m:t>
+                            <m:t>𝐻</m:t>
                           </m:r>
                         </m:e>
                         <m:sub>
@@ -9277,7 +9329,7 @@
             <p:spPr>
               <a:xfrm>
                 <a:off x="5775579" y="5354256"/>
-                <a:ext cx="869950" cy="460375"/>
+                <a:ext cx="899795" cy="460375"/>
               </a:xfrm>
               <a:prstGeom prst="rect">
                 <a:avLst/>
@@ -9285,7 +9337,7 @@
               <a:blipFill rotWithShape="1">
                 <a:blip r:embed="rId16"/>
                 <a:stretch>
-                  <a:fillRect l="-29" t="-124" r="29" b="124"/>
+                  <a:fillRect l="-28" t="-124" r="28" b="124"/>
                 </a:stretch>
               </a:blipFill>
             </p:spPr>
@@ -9354,7 +9406,7 @@
             <p:spPr>
               <a:xfrm>
                 <a:off x="3026029" y="3447986"/>
-                <a:ext cx="540385" cy="460375"/>
+                <a:ext cx="570230" cy="460375"/>
               </a:xfrm>
               <a:prstGeom prst="rect">
                 <a:avLst/>
@@ -9397,7 +9449,7 @@
                               <a:latin typeface="Cambria Math" panose="02040503050406030204" charset="0"/>
                               <a:cs typeface="Cambria Math" panose="02040503050406030204" charset="0"/>
                             </a:rPr>
-                            <m:t>𝑠</m:t>
+                            <m:t>𝐻</m:t>
                           </m:r>
                         </m:sub>
                       </m:sSub>
@@ -9424,7 +9476,7 @@
             <p:spPr>
               <a:xfrm>
                 <a:off x="3026029" y="3447986"/>
-                <a:ext cx="540385" cy="460375"/>
+                <a:ext cx="570230" cy="460375"/>
               </a:xfrm>
               <a:prstGeom prst="rect">
                 <a:avLst/>
@@ -9432,7 +9484,7 @@
               <a:blipFill rotWithShape="1">
                 <a:blip r:embed="rId17"/>
                 <a:stretch>
-                  <a:fillRect l="-47" t="-124" r="47" b="124"/>
+                  <a:fillRect l="-45" t="-124" r="45" b="124"/>
                 </a:stretch>
               </a:blipFill>
             </p:spPr>
@@ -9462,7 +9514,7 @@
             <p:spPr>
               <a:xfrm>
                 <a:off x="872109" y="4940236"/>
-                <a:ext cx="756920" cy="444500"/>
+                <a:ext cx="786765" cy="441325"/>
               </a:xfrm>
               <a:prstGeom prst="rect">
                 <a:avLst/>
@@ -9496,7 +9548,7 @@
                               <a:latin typeface="Cambria Math" panose="02040503050406030204" charset="0"/>
                               <a:cs typeface="Cambria Math" panose="02040503050406030204" charset="0"/>
                             </a:rPr>
-                            <m:t>𝑆</m:t>
+                            <m:t>𝐻</m:t>
                           </m:r>
                         </m:e>
                         <m:sub>
@@ -9532,7 +9584,7 @@
             <p:spPr>
               <a:xfrm>
                 <a:off x="872109" y="4940236"/>
-                <a:ext cx="756920" cy="444500"/>
+                <a:ext cx="786765" cy="441325"/>
               </a:xfrm>
               <a:prstGeom prst="rect">
                 <a:avLst/>
@@ -9540,7 +9592,7 @@
               <a:blipFill rotWithShape="1">
                 <a:blip r:embed="rId18"/>
                 <a:stretch>
-                  <a:fillRect l="-34" t="-128" r="34" b="128"/>
+                  <a:fillRect l="-32" t="-129" r="32" b="129"/>
                 </a:stretch>
               </a:blipFill>
             </p:spPr>
@@ -9670,7 +9722,7 @@
           <a:p>
             <a:r>
               <a:rPr lang="ru-RU" altLang="en-US"/>
-              <a:t>Домашнее задание</a:t>
+              <a:t>Практика</a:t>
             </a:r>
             <a:endParaRPr lang="ru-RU" altLang="en-US"/>
           </a:p>
@@ -9692,12 +9744,36 @@
           <a:p>
             <a:r>
               <a:rPr lang="ru-RU" altLang="ru-RU"/>
-              <a:t>Разработать Пид регулятор для управления угловым положением манипулятора</a:t>
+              <a:t>Разработать ПИД-регулятор для управления высотой полета БПЛА</a:t>
             </a:r>
-            <a:endParaRPr lang="ru-RU" altLang="ru-RU"/>
+            <a:endParaRPr lang="en-US" altLang="ru-RU"/>
           </a:p>
         </p:txBody>
       </p:sp>
+      <p:pic>
+        <p:nvPicPr>
+          <p:cNvPr id="4" name="Изображение 3" descr="qrcod_6aGH"/>
+          <p:cNvPicPr>
+            <a:picLocks noChangeAspect="1"/>
+          </p:cNvPicPr>
+          <p:nvPr/>
+        </p:nvPicPr>
+        <p:blipFill>
+          <a:blip r:embed="rId1"/>
+          <a:stretch>
+            <a:fillRect/>
+          </a:stretch>
+        </p:blipFill>
+        <p:spPr>
+          <a:xfrm>
+            <a:off x="4651375" y="3076575"/>
+            <a:ext cx="2889885" cy="2889885"/>
+          </a:xfrm>
+          <a:prstGeom prst="rect">
+            <a:avLst/>
+          </a:prstGeom>
+        </p:spPr>
+      </p:pic>
     </p:spTree>
   </p:cSld>
   <p:clrMapOvr>
